--- a/ibm project.pptx
+++ b/ibm project.pptx
@@ -5,7 +5,7 @@
     <p:sldMasterId id="2147483712" r:id="rId4"/>
   </p:sldMasterIdLst>
   <p:notesMasterIdLst>
-    <p:notesMasterId r:id="rId22"/>
+    <p:notesMasterId r:id="rId23"/>
   </p:notesMasterIdLst>
   <p:sldIdLst>
     <p:sldId id="256" r:id="rId5"/>
@@ -19,12 +19,13 @@
     <p:sldId id="267" r:id="rId13"/>
     <p:sldId id="2146847062" r:id="rId14"/>
     <p:sldId id="268" r:id="rId15"/>
-    <p:sldId id="2146847055" r:id="rId16"/>
-    <p:sldId id="269" r:id="rId17"/>
-    <p:sldId id="2146847059" r:id="rId18"/>
-    <p:sldId id="2146847060" r:id="rId19"/>
-    <p:sldId id="2146847061" r:id="rId20"/>
-    <p:sldId id="259" r:id="rId21"/>
+    <p:sldId id="2146847066" r:id="rId16"/>
+    <p:sldId id="2146847055" r:id="rId17"/>
+    <p:sldId id="269" r:id="rId18"/>
+    <p:sldId id="2146847059" r:id="rId19"/>
+    <p:sldId id="2146847060" r:id="rId20"/>
+    <p:sldId id="2146847061" r:id="rId21"/>
+    <p:sldId id="259" r:id="rId22"/>
   </p:sldIdLst>
   <p:sldSz cx="12192000" cy="6858000"/>
   <p:notesSz cx="6858000" cy="9144000"/>
@@ -4688,239 +4689,68 @@
       </p:grpSpPr>
       <p:sp>
         <p:nvSpPr>
-          <p:cNvPr id="5" name="Title 4">
+          <p:cNvPr id="2" name="Title 1">
             <a:extLst>
               <a:ext uri="{FF2B5EF4-FFF2-40B4-BE49-F238E27FC236}">
-                <a16:creationId xmlns:a16="http://schemas.microsoft.com/office/drawing/2014/main" id="{3F968F13-9AC4-7120-7ACD-9F752C767D5D}"/>
+                <a16:creationId xmlns:a16="http://schemas.microsoft.com/office/drawing/2014/main" id="{5A121BDB-DAE7-B41E-43F3-9160B2E6140B}"/>
               </a:ext>
             </a:extLst>
           </p:cNvPr>
-          <p:cNvSpPr txBox="1">
-            <a:spLocks/>
-          </p:cNvSpPr>
-          <p:nvPr/>
-        </p:nvSpPr>
-        <p:spPr>
-          <a:xfrm>
-            <a:off x="535670" y="844659"/>
-            <a:ext cx="11029616" cy="530296"/>
-          </a:xfrm>
-          <a:prstGeom prst="rect">
-            <a:avLst/>
-          </a:prstGeom>
-        </p:spPr>
-        <p:txBody>
-          <a:bodyPr vert="horz" lIns="91440" tIns="45720" rIns="91440" bIns="45720" rtlCol="0" anchor="b">
-            <a:normAutofit fontScale="75000" lnSpcReduction="20000"/>
-          </a:bodyPr>
-          <a:lstStyle>
-            <a:lvl1pPr algn="l" defTabSz="457200" rtl="0" eaLnBrk="1" latinLnBrk="0" hangingPunct="1">
-              <a:lnSpc>
-                <a:spcPct val="100000"/>
-              </a:lnSpc>
-              <a:spcBef>
-                <a:spcPct val="0"/>
-              </a:spcBef>
-              <a:buNone/>
-              <a:defRPr sz="2800" b="0" kern="1200" cap="all">
-                <a:solidFill>
-                  <a:schemeClr val="tx1">
-                    <a:lumMod val="75000"/>
-                    <a:lumOff val="25000"/>
-                  </a:schemeClr>
-                </a:solidFill>
-                <a:latin typeface="+mj-lt"/>
-                <a:ea typeface="+mj-ea"/>
-                <a:cs typeface="+mj-cs"/>
-              </a:defRPr>
-            </a:lvl1pPr>
-            <a:lvl2pPr eaLnBrk="1" hangingPunct="1">
-              <a:defRPr>
-                <a:solidFill>
-                  <a:schemeClr val="tx2"/>
-                </a:solidFill>
-              </a:defRPr>
-            </a:lvl2pPr>
-            <a:lvl3pPr eaLnBrk="1" hangingPunct="1">
-              <a:defRPr>
-                <a:solidFill>
-                  <a:schemeClr val="tx2"/>
-                </a:solidFill>
-              </a:defRPr>
-            </a:lvl3pPr>
-            <a:lvl4pPr eaLnBrk="1" hangingPunct="1">
-              <a:defRPr>
-                <a:solidFill>
-                  <a:schemeClr val="tx2"/>
-                </a:solidFill>
-              </a:defRPr>
-            </a:lvl4pPr>
-            <a:lvl5pPr eaLnBrk="1" hangingPunct="1">
-              <a:defRPr>
-                <a:solidFill>
-                  <a:schemeClr val="tx2"/>
-                </a:solidFill>
-              </a:defRPr>
-            </a:lvl5pPr>
-            <a:lvl6pPr eaLnBrk="1" hangingPunct="1">
-              <a:defRPr>
-                <a:solidFill>
-                  <a:schemeClr val="tx2"/>
-                </a:solidFill>
-              </a:defRPr>
-            </a:lvl6pPr>
-            <a:lvl7pPr eaLnBrk="1" hangingPunct="1">
-              <a:defRPr>
-                <a:solidFill>
-                  <a:schemeClr val="tx2"/>
-                </a:solidFill>
-              </a:defRPr>
-            </a:lvl7pPr>
-            <a:lvl8pPr eaLnBrk="1" hangingPunct="1">
-              <a:defRPr>
-                <a:solidFill>
-                  <a:schemeClr val="tx2"/>
-                </a:solidFill>
-              </a:defRPr>
-            </a:lvl8pPr>
-            <a:lvl9pPr eaLnBrk="1" hangingPunct="1">
-              <a:defRPr>
-                <a:solidFill>
-                  <a:schemeClr val="tx2"/>
-                </a:solidFill>
-              </a:defRPr>
-            </a:lvl9pPr>
-          </a:lstStyle>
-          <a:p>
-            <a:r>
-              <a:rPr lang="en-US" sz="4400" b="1" dirty="0">
-                <a:solidFill>
-                  <a:schemeClr val="accent1"/>
-                </a:solidFill>
-                <a:latin typeface="Arial"/>
-                <a:cs typeface="Arial"/>
+          <p:cNvSpPr>
+            <a:spLocks noGrp="1"/>
+          </p:cNvSpPr>
+          <p:nvPr>
+            <p:ph type="title"/>
+          </p:nvPr>
+        </p:nvSpPr>
+        <p:spPr/>
+        <p:txBody>
+          <a:bodyPr/>
+          <a:lstStyle/>
+          <a:p>
+            <a:r>
+              <a:rPr lang="en-IN" dirty="0">
+                <a:solidFill>
+                  <a:schemeClr val="accent2"/>
+                </a:solidFill>
               </a:rPr>
-              <a:t>Future scope</a:t>
-            </a:r>
-          </a:p>
-        </p:txBody>
-      </p:sp>
-      <p:sp>
-        <p:nvSpPr>
-          <p:cNvPr id="2" name="TextBox 1">
+              <a:t>Git – hub link</a:t>
+            </a:r>
+          </a:p>
+        </p:txBody>
+      </p:sp>
+      <p:sp>
+        <p:nvSpPr>
+          <p:cNvPr id="3" name="Content Placeholder 2">
             <a:extLst>
               <a:ext uri="{FF2B5EF4-FFF2-40B4-BE49-F238E27FC236}">
-                <a16:creationId xmlns:a16="http://schemas.microsoft.com/office/drawing/2014/main" id="{D68E2A47-4A3F-DBFA-412F-04AA95C7A573}"/>
+                <a16:creationId xmlns:a16="http://schemas.microsoft.com/office/drawing/2014/main" id="{EA477734-2892-36EA-BCFB-669E4C7E19C6}"/>
               </a:ext>
             </a:extLst>
           </p:cNvPr>
-          <p:cNvSpPr txBox="1"/>
-          <p:nvPr/>
-        </p:nvSpPr>
-        <p:spPr>
-          <a:xfrm>
-            <a:off x="639097" y="1474839"/>
-            <a:ext cx="11110451" cy="4801314"/>
-          </a:xfrm>
-          <a:prstGeom prst="rect">
-            <a:avLst/>
-          </a:prstGeom>
-          <a:noFill/>
-        </p:spPr>
-        <p:txBody>
-          <a:bodyPr wrap="square" rtlCol="0">
-            <a:spAutoFit/>
-          </a:bodyPr>
+          <p:cNvSpPr>
+            <a:spLocks noGrp="1"/>
+          </p:cNvSpPr>
+          <p:nvPr>
+            <p:ph idx="1"/>
+          </p:nvPr>
+        </p:nvSpPr>
+        <p:spPr/>
+        <p:txBody>
+          <a:bodyPr/>
           <a:lstStyle/>
           <a:p>
-            <a:pPr marL="285750" indent="-285750">
-              <a:buFont typeface="Wingdings" panose="05000000000000000000" pitchFamily="2" charset="2"/>
-              <a:buChar char="§"/>
-            </a:pPr>
-            <a:r>
-              <a:rPr lang="en-US" dirty="0"/>
-              <a:t>Enhance recommendation accuracy by integrating advanced vector indexing techniques to better understand user preferences and travel content similarity.</a:t>
-            </a:r>
-          </a:p>
-          <a:p>
-            <a:pPr marL="285750" indent="-285750">
-              <a:buFont typeface="Wingdings" panose="05000000000000000000" pitchFamily="2" charset="2"/>
-              <a:buChar char="§"/>
-            </a:pPr>
-            <a:r>
-              <a:rPr lang="en-US" dirty="0"/>
-              <a:t>Leverage IBM Cloud’s scalable infrastructure to support real-time processing of larger datasets and more complex machine learning models for personalized trip planning.</a:t>
-            </a:r>
-          </a:p>
-          <a:p>
-            <a:pPr marL="285750" indent="-285750">
-              <a:buFont typeface="Wingdings" panose="05000000000000000000" pitchFamily="2" charset="2"/>
-              <a:buChar char="§"/>
-            </a:pPr>
-            <a:r>
-              <a:rPr lang="en-US" dirty="0"/>
-              <a:t>Expand data sources by incorporating user-generated content such as reviews, social media, and local insights for richer travel recommendations.</a:t>
-            </a:r>
-          </a:p>
-          <a:p>
-            <a:pPr marL="285750" indent="-285750">
-              <a:buFont typeface="Wingdings" panose="05000000000000000000" pitchFamily="2" charset="2"/>
-              <a:buChar char="§"/>
-            </a:pPr>
-            <a:r>
-              <a:rPr lang="en-US" dirty="0"/>
-              <a:t>Implement multi-modal capabilities using IBM’s AI services to provide recommendations through voice, image recognition, and chat interfaces.</a:t>
-            </a:r>
-          </a:p>
-          <a:p>
-            <a:pPr marL="285750" indent="-285750">
-              <a:buFont typeface="Wingdings" panose="05000000000000000000" pitchFamily="2" charset="2"/>
-              <a:buChar char="§"/>
-            </a:pPr>
-            <a:r>
-              <a:rPr lang="en-US" dirty="0"/>
-              <a:t>Develop predictive analytics to forecast travel trends, demand, and pricing fluctuations, enabling proactive itinerary adjustments and cost savings.</a:t>
-            </a:r>
-          </a:p>
-          <a:p>
-            <a:pPr marL="285750" indent="-285750">
-              <a:buFont typeface="Wingdings" panose="05000000000000000000" pitchFamily="2" charset="2"/>
-              <a:buChar char="§"/>
-            </a:pPr>
-            <a:r>
-              <a:rPr lang="en-US" dirty="0"/>
-              <a:t>Integrate with IoT and smart city data on IBM Cloud to provide hyper-localized travel experiences, such as real-time transport availability and crowd predictions.</a:t>
-            </a:r>
-          </a:p>
-          <a:p>
-            <a:pPr marL="285750" indent="-285750">
-              <a:buFont typeface="Wingdings" panose="05000000000000000000" pitchFamily="2" charset="2"/>
-              <a:buChar char="§"/>
-            </a:pPr>
-            <a:r>
-              <a:rPr lang="en-US" dirty="0"/>
-              <a:t>Enhance privacy and security features leveraging IBM Cloud’s robust governance and compliance tools to build user trust.</a:t>
-            </a:r>
-          </a:p>
-          <a:p>
-            <a:pPr marL="285750" indent="-285750">
-              <a:buFont typeface="Wingdings" panose="05000000000000000000" pitchFamily="2" charset="2"/>
-              <a:buChar char="§"/>
-            </a:pPr>
-            <a:r>
-              <a:rPr lang="en-US" dirty="0"/>
-              <a:t>Explore seamless integration with other IBM Cloud AI services like Watson Assistant for improved conversational experiences and Watson Discovery for intelligent querying of travel data.</a:t>
-            </a:r>
-          </a:p>
-          <a:p>
-            <a:endParaRPr lang="en-IN" dirty="0"/>
+            <a:r>
+              <a:rPr lang="en-IN" dirty="0"/>
+              <a:t>https://github.com/ANSH-SHARMA912/IBM-TRAVEL-PLANNER-AGENT.git</a:t>
+            </a:r>
           </a:p>
         </p:txBody>
       </p:sp>
     </p:spTree>
     <p:extLst>
       <p:ext uri="{BB962C8B-B14F-4D97-AF65-F5344CB8AC3E}">
-        <p14:creationId xmlns:p14="http://schemas.microsoft.com/office/powerpoint/2010/main" val="614882681"/>
+        <p14:creationId xmlns:p14="http://schemas.microsoft.com/office/powerpoint/2010/main" val="3901101335"/>
       </p:ext>
     </p:extLst>
   </p:cSld>
@@ -4952,94 +4782,236 @@
           <p:cNvPr id="5" name="Title 4">
             <a:extLst>
               <a:ext uri="{FF2B5EF4-FFF2-40B4-BE49-F238E27FC236}">
-                <a16:creationId xmlns:a16="http://schemas.microsoft.com/office/drawing/2014/main" id="{8FBA75B4-2DD5-42EB-9397-F36BFB8BA723}"/>
+                <a16:creationId xmlns:a16="http://schemas.microsoft.com/office/drawing/2014/main" id="{3F968F13-9AC4-7120-7ACD-9F752C767D5D}"/>
               </a:ext>
             </a:extLst>
           </p:cNvPr>
-          <p:cNvSpPr>
-            <a:spLocks noGrp="1"/>
-          </p:cNvSpPr>
-          <p:nvPr>
-            <p:ph type="title"/>
-          </p:nvPr>
-        </p:nvSpPr>
-        <p:spPr/>
-        <p:txBody>
-          <a:bodyPr>
-            <a:normAutofit fontScale="90000"/>
+          <p:cNvSpPr txBox="1">
+            <a:spLocks/>
+          </p:cNvSpPr>
+          <p:nvPr/>
+        </p:nvSpPr>
+        <p:spPr>
+          <a:xfrm>
+            <a:off x="535670" y="844659"/>
+            <a:ext cx="11029616" cy="530296"/>
+          </a:xfrm>
+          <a:prstGeom prst="rect">
+            <a:avLst/>
+          </a:prstGeom>
+        </p:spPr>
+        <p:txBody>
+          <a:bodyPr vert="horz" lIns="91440" tIns="45720" rIns="91440" bIns="45720" rtlCol="0" anchor="b">
+            <a:normAutofit fontScale="75000" lnSpcReduction="20000"/>
           </a:bodyPr>
-          <a:lstStyle/>
-          <a:p>
-            <a:r>
-              <a:rPr lang="en-US" sz="4400" b="1">
+          <a:lstStyle>
+            <a:lvl1pPr algn="l" defTabSz="457200" rtl="0" eaLnBrk="1" latinLnBrk="0" hangingPunct="1">
+              <a:lnSpc>
+                <a:spcPct val="100000"/>
+              </a:lnSpc>
+              <a:spcBef>
+                <a:spcPct val="0"/>
+              </a:spcBef>
+              <a:buNone/>
+              <a:defRPr sz="2800" b="0" kern="1200" cap="all">
+                <a:solidFill>
+                  <a:schemeClr val="tx1">
+                    <a:lumMod val="75000"/>
+                    <a:lumOff val="25000"/>
+                  </a:schemeClr>
+                </a:solidFill>
+                <a:latin typeface="+mj-lt"/>
+                <a:ea typeface="+mj-ea"/>
+                <a:cs typeface="+mj-cs"/>
+              </a:defRPr>
+            </a:lvl1pPr>
+            <a:lvl2pPr eaLnBrk="1" hangingPunct="1">
+              <a:defRPr>
+                <a:solidFill>
+                  <a:schemeClr val="tx2"/>
+                </a:solidFill>
+              </a:defRPr>
+            </a:lvl2pPr>
+            <a:lvl3pPr eaLnBrk="1" hangingPunct="1">
+              <a:defRPr>
+                <a:solidFill>
+                  <a:schemeClr val="tx2"/>
+                </a:solidFill>
+              </a:defRPr>
+            </a:lvl3pPr>
+            <a:lvl4pPr eaLnBrk="1" hangingPunct="1">
+              <a:defRPr>
+                <a:solidFill>
+                  <a:schemeClr val="tx2"/>
+                </a:solidFill>
+              </a:defRPr>
+            </a:lvl4pPr>
+            <a:lvl5pPr eaLnBrk="1" hangingPunct="1">
+              <a:defRPr>
+                <a:solidFill>
+                  <a:schemeClr val="tx2"/>
+                </a:solidFill>
+              </a:defRPr>
+            </a:lvl5pPr>
+            <a:lvl6pPr eaLnBrk="1" hangingPunct="1">
+              <a:defRPr>
+                <a:solidFill>
+                  <a:schemeClr val="tx2"/>
+                </a:solidFill>
+              </a:defRPr>
+            </a:lvl6pPr>
+            <a:lvl7pPr eaLnBrk="1" hangingPunct="1">
+              <a:defRPr>
+                <a:solidFill>
+                  <a:schemeClr val="tx2"/>
+                </a:solidFill>
+              </a:defRPr>
+            </a:lvl7pPr>
+            <a:lvl8pPr eaLnBrk="1" hangingPunct="1">
+              <a:defRPr>
+                <a:solidFill>
+                  <a:schemeClr val="tx2"/>
+                </a:solidFill>
+              </a:defRPr>
+            </a:lvl8pPr>
+            <a:lvl9pPr eaLnBrk="1" hangingPunct="1">
+              <a:defRPr>
+                <a:solidFill>
+                  <a:schemeClr val="tx2"/>
+                </a:solidFill>
+              </a:defRPr>
+            </a:lvl9pPr>
+          </a:lstStyle>
+          <a:p>
+            <a:r>
+              <a:rPr lang="en-US" sz="4400" b="1" dirty="0">
                 <a:solidFill>
                   <a:schemeClr val="accent1"/>
                 </a:solidFill>
                 <a:latin typeface="Arial"/>
-                <a:ea typeface="+mj-lt"/>
                 <a:cs typeface="Arial"/>
               </a:rPr>
-              <a:t>References</a:t>
-            </a:r>
-            <a:endParaRPr lang="en-US"/>
-          </a:p>
-        </p:txBody>
-      </p:sp>
-      <p:sp>
-        <p:nvSpPr>
-          <p:cNvPr id="2" name="Content Placeholder 1">
+              <a:t>Future scope</a:t>
+            </a:r>
+          </a:p>
+        </p:txBody>
+      </p:sp>
+      <p:sp>
+        <p:nvSpPr>
+          <p:cNvPr id="2" name="TextBox 1">
             <a:extLst>
               <a:ext uri="{FF2B5EF4-FFF2-40B4-BE49-F238E27FC236}">
-                <a16:creationId xmlns:a16="http://schemas.microsoft.com/office/drawing/2014/main" id="{357C38BC-22B3-37B2-E0C3-812020A76077}"/>
+                <a16:creationId xmlns:a16="http://schemas.microsoft.com/office/drawing/2014/main" id="{D68E2A47-4A3F-DBFA-412F-04AA95C7A573}"/>
               </a:ext>
             </a:extLst>
           </p:cNvPr>
-          <p:cNvSpPr>
-            <a:spLocks noGrp="1"/>
-          </p:cNvSpPr>
-          <p:nvPr>
-            <p:ph idx="1"/>
-          </p:nvPr>
-        </p:nvSpPr>
-        <p:spPr/>
-        <p:txBody>
-          <a:bodyPr>
-            <a:normAutofit/>
+          <p:cNvSpPr txBox="1"/>
+          <p:nvPr/>
+        </p:nvSpPr>
+        <p:spPr>
+          <a:xfrm>
+            <a:off x="639097" y="1474839"/>
+            <a:ext cx="11110451" cy="4801314"/>
+          </a:xfrm>
+          <a:prstGeom prst="rect">
+            <a:avLst/>
+          </a:prstGeom>
+          <a:noFill/>
+        </p:spPr>
+        <p:txBody>
+          <a:bodyPr wrap="square" rtlCol="0">
+            <a:spAutoFit/>
           </a:bodyPr>
           <a:lstStyle/>
           <a:p>
-            <a:pPr marL="305435" indent="-305435"/>
-            <a:r>
-              <a:rPr lang="en-IN" sz="2400" dirty="0">
-                <a:hlinkClick r:id="rId2"/>
-              </a:rPr>
-              <a:t>Google </a:t>
-            </a:r>
-            <a:endParaRPr lang="en-IN" sz="2400" dirty="0"/>
-          </a:p>
-          <a:p>
-            <a:pPr marL="305435" indent="-305435"/>
-            <a:r>
-              <a:rPr lang="en-IN" sz="2400" dirty="0">
-                <a:hlinkClick r:id="rId3"/>
-              </a:rPr>
-              <a:t>YouTube</a:t>
-            </a:r>
-            <a:endParaRPr lang="en-IN" sz="2400" dirty="0"/>
-          </a:p>
-          <a:p>
-            <a:pPr marL="305435" indent="-305435"/>
-            <a:r>
-              <a:rPr lang="en-IN" sz="2400" dirty="0"/>
-              <a:t>Mentor led Secessions</a:t>
-            </a:r>
+            <a:pPr marL="285750" indent="-285750">
+              <a:buFont typeface="Wingdings" panose="05000000000000000000" pitchFamily="2" charset="2"/>
+              <a:buChar char="§"/>
+            </a:pPr>
+            <a:r>
+              <a:rPr lang="en-US" dirty="0"/>
+              <a:t>Enhance recommendation accuracy by integrating advanced vector indexing techniques to better understand user preferences and travel content similarity.</a:t>
+            </a:r>
+          </a:p>
+          <a:p>
+            <a:pPr marL="285750" indent="-285750">
+              <a:buFont typeface="Wingdings" panose="05000000000000000000" pitchFamily="2" charset="2"/>
+              <a:buChar char="§"/>
+            </a:pPr>
+            <a:r>
+              <a:rPr lang="en-US" dirty="0"/>
+              <a:t>Leverage IBM Cloud’s scalable infrastructure to support real-time processing of larger datasets and more complex machine learning models for personalized trip planning.</a:t>
+            </a:r>
+          </a:p>
+          <a:p>
+            <a:pPr marL="285750" indent="-285750">
+              <a:buFont typeface="Wingdings" panose="05000000000000000000" pitchFamily="2" charset="2"/>
+              <a:buChar char="§"/>
+            </a:pPr>
+            <a:r>
+              <a:rPr lang="en-US" dirty="0"/>
+              <a:t>Expand data sources by incorporating user-generated content such as reviews, social media, and local insights for richer travel recommendations.</a:t>
+            </a:r>
+          </a:p>
+          <a:p>
+            <a:pPr marL="285750" indent="-285750">
+              <a:buFont typeface="Wingdings" panose="05000000000000000000" pitchFamily="2" charset="2"/>
+              <a:buChar char="§"/>
+            </a:pPr>
+            <a:r>
+              <a:rPr lang="en-US" dirty="0"/>
+              <a:t>Implement multi-modal capabilities using IBM’s AI services to provide recommendations through voice, image recognition, and chat interfaces.</a:t>
+            </a:r>
+          </a:p>
+          <a:p>
+            <a:pPr marL="285750" indent="-285750">
+              <a:buFont typeface="Wingdings" panose="05000000000000000000" pitchFamily="2" charset="2"/>
+              <a:buChar char="§"/>
+            </a:pPr>
+            <a:r>
+              <a:rPr lang="en-US" dirty="0"/>
+              <a:t>Develop predictive analytics to forecast travel trends, demand, and pricing fluctuations, enabling proactive itinerary adjustments and cost savings.</a:t>
+            </a:r>
+          </a:p>
+          <a:p>
+            <a:pPr marL="285750" indent="-285750">
+              <a:buFont typeface="Wingdings" panose="05000000000000000000" pitchFamily="2" charset="2"/>
+              <a:buChar char="§"/>
+            </a:pPr>
+            <a:r>
+              <a:rPr lang="en-US" dirty="0"/>
+              <a:t>Integrate with IoT and smart city data on IBM Cloud to provide hyper-localized travel experiences, such as real-time transport availability and crowd predictions.</a:t>
+            </a:r>
+          </a:p>
+          <a:p>
+            <a:pPr marL="285750" indent="-285750">
+              <a:buFont typeface="Wingdings" panose="05000000000000000000" pitchFamily="2" charset="2"/>
+              <a:buChar char="§"/>
+            </a:pPr>
+            <a:r>
+              <a:rPr lang="en-US" dirty="0"/>
+              <a:t>Enhance privacy and security features leveraging IBM Cloud’s robust governance and compliance tools to build user trust.</a:t>
+            </a:r>
+          </a:p>
+          <a:p>
+            <a:pPr marL="285750" indent="-285750">
+              <a:buFont typeface="Wingdings" panose="05000000000000000000" pitchFamily="2" charset="2"/>
+              <a:buChar char="§"/>
+            </a:pPr>
+            <a:r>
+              <a:rPr lang="en-US" dirty="0"/>
+              <a:t>Explore seamless integration with other IBM Cloud AI services like Watson Assistant for improved conversational experiences and Watson Discovery for intelligent querying of travel data.</a:t>
+            </a:r>
+          </a:p>
+          <a:p>
+            <a:endParaRPr lang="en-IN" dirty="0"/>
           </a:p>
         </p:txBody>
       </p:sp>
     </p:spTree>
     <p:extLst>
       <p:ext uri="{BB962C8B-B14F-4D97-AF65-F5344CB8AC3E}">
-        <p14:creationId xmlns:p14="http://schemas.microsoft.com/office/powerpoint/2010/main" val="728950222"/>
+        <p14:creationId xmlns:p14="http://schemas.microsoft.com/office/powerpoint/2010/main" val="614882681"/>
       </p:ext>
     </p:extLst>
   </p:cSld>
@@ -5068,10 +5040,10 @@
       </p:grpSpPr>
       <p:sp>
         <p:nvSpPr>
-          <p:cNvPr id="2" name="Title 1">
+          <p:cNvPr id="5" name="Title 4">
             <a:extLst>
               <a:ext uri="{FF2B5EF4-FFF2-40B4-BE49-F238E27FC236}">
-                <a16:creationId xmlns:a16="http://schemas.microsoft.com/office/drawing/2014/main" id="{3A492E52-0C9E-7CCC-47E8-5C4711AD23FE}"/>
+                <a16:creationId xmlns:a16="http://schemas.microsoft.com/office/drawing/2014/main" id="{8FBA75B4-2DD5-42EB-9397-F36BFB8BA723}"/>
               </a:ext>
             </a:extLst>
           </p:cNvPr>
@@ -5084,54 +5056,81 @@
         </p:nvSpPr>
         <p:spPr/>
         <p:txBody>
-          <a:bodyPr/>
+          <a:bodyPr>
+            <a:normAutofit fontScale="90000"/>
+          </a:bodyPr>
           <a:lstStyle/>
           <a:p>
             <a:r>
-              <a:rPr lang="en-IN" dirty="0">
+              <a:rPr lang="en-US" sz="4400" b="1">
                 <a:solidFill>
                   <a:schemeClr val="accent1"/>
                 </a:solidFill>
+                <a:latin typeface="Arial"/>
+                <a:ea typeface="+mj-lt"/>
+                <a:cs typeface="Arial"/>
               </a:rPr>
-              <a:t>IBM Certifications</a:t>
-            </a:r>
-          </a:p>
-        </p:txBody>
-      </p:sp>
-      <p:pic>
-        <p:nvPicPr>
-          <p:cNvPr id="7" name="Picture 6">
+              <a:t>References</a:t>
+            </a:r>
+            <a:endParaRPr lang="en-US"/>
+          </a:p>
+        </p:txBody>
+      </p:sp>
+      <p:sp>
+        <p:nvSpPr>
+          <p:cNvPr id="2" name="Content Placeholder 1">
             <a:extLst>
               <a:ext uri="{FF2B5EF4-FFF2-40B4-BE49-F238E27FC236}">
-                <a16:creationId xmlns:a16="http://schemas.microsoft.com/office/drawing/2014/main" id="{CFB7A010-B3A6-867A-CC83-0914A9B2557F}"/>
+                <a16:creationId xmlns:a16="http://schemas.microsoft.com/office/drawing/2014/main" id="{357C38BC-22B3-37B2-E0C3-812020A76077}"/>
               </a:ext>
             </a:extLst>
           </p:cNvPr>
-          <p:cNvPicPr>
-            <a:picLocks noChangeAspect="1"/>
-          </p:cNvPicPr>
-          <p:nvPr/>
-        </p:nvPicPr>
-        <p:blipFill>
-          <a:blip r:embed="rId2"/>
-          <a:stretch>
-            <a:fillRect/>
-          </a:stretch>
-        </p:blipFill>
-        <p:spPr>
-          <a:xfrm>
-            <a:off x="2802194" y="1355692"/>
-            <a:ext cx="6873670" cy="5187675"/>
-          </a:xfrm>
-          <a:prstGeom prst="rect">
-            <a:avLst/>
-          </a:prstGeom>
-        </p:spPr>
-      </p:pic>
+          <p:cNvSpPr>
+            <a:spLocks noGrp="1"/>
+          </p:cNvSpPr>
+          <p:nvPr>
+            <p:ph idx="1"/>
+          </p:nvPr>
+        </p:nvSpPr>
+        <p:spPr/>
+        <p:txBody>
+          <a:bodyPr>
+            <a:normAutofit/>
+          </a:bodyPr>
+          <a:lstStyle/>
+          <a:p>
+            <a:pPr marL="305435" indent="-305435"/>
+            <a:r>
+              <a:rPr lang="en-IN" sz="2400" dirty="0">
+                <a:hlinkClick r:id="rId2"/>
+              </a:rPr>
+              <a:t>Google </a:t>
+            </a:r>
+            <a:endParaRPr lang="en-IN" sz="2400" dirty="0"/>
+          </a:p>
+          <a:p>
+            <a:pPr marL="305435" indent="-305435"/>
+            <a:r>
+              <a:rPr lang="en-IN" sz="2400" dirty="0">
+                <a:hlinkClick r:id="rId3"/>
+              </a:rPr>
+              <a:t>YouTube</a:t>
+            </a:r>
+            <a:endParaRPr lang="en-IN" sz="2400" dirty="0"/>
+          </a:p>
+          <a:p>
+            <a:pPr marL="305435" indent="-305435"/>
+            <a:r>
+              <a:rPr lang="en-IN" sz="2400" dirty="0"/>
+              <a:t>Mentor led Secessions</a:t>
+            </a:r>
+          </a:p>
+        </p:txBody>
+      </p:sp>
     </p:spTree>
     <p:extLst>
       <p:ext uri="{BB962C8B-B14F-4D97-AF65-F5344CB8AC3E}">
-        <p14:creationId xmlns:p14="http://schemas.microsoft.com/office/powerpoint/2010/main" val="384733178"/>
+        <p14:creationId xmlns:p14="http://schemas.microsoft.com/office/powerpoint/2010/main" val="728950222"/>
       </p:ext>
     </p:extLst>
   </p:cSld>
@@ -5192,19 +5191,17 @@
       </p:sp>
       <p:pic>
         <p:nvPicPr>
-          <p:cNvPr id="5" name="Content Placeholder 4">
+          <p:cNvPr id="7" name="Picture 6">
             <a:extLst>
               <a:ext uri="{FF2B5EF4-FFF2-40B4-BE49-F238E27FC236}">
-                <a16:creationId xmlns:a16="http://schemas.microsoft.com/office/drawing/2014/main" id="{3198B67F-03AF-63FC-E55F-477553167560}"/>
+                <a16:creationId xmlns:a16="http://schemas.microsoft.com/office/drawing/2014/main" id="{CFB7A010-B3A6-867A-CC83-0914A9B2557F}"/>
               </a:ext>
             </a:extLst>
           </p:cNvPr>
           <p:cNvPicPr>
-            <a:picLocks noGrp="1" noChangeAspect="1"/>
+            <a:picLocks noChangeAspect="1"/>
           </p:cNvPicPr>
-          <p:nvPr>
-            <p:ph idx="1"/>
-          </p:nvPr>
+          <p:nvPr/>
         </p:nvPicPr>
         <p:blipFill>
           <a:blip r:embed="rId2"/>
@@ -5214,8 +5211,8 @@
         </p:blipFill>
         <p:spPr>
           <a:xfrm>
-            <a:off x="3091550" y="1482244"/>
-            <a:ext cx="6166215" cy="4673600"/>
+            <a:off x="2802194" y="1355692"/>
+            <a:ext cx="6873670" cy="5187675"/>
           </a:xfrm>
           <a:prstGeom prst="rect">
             <a:avLst/>
@@ -5225,7 +5222,7 @@
     </p:spTree>
     <p:extLst>
       <p:ext uri="{BB962C8B-B14F-4D97-AF65-F5344CB8AC3E}">
-        <p14:creationId xmlns:p14="http://schemas.microsoft.com/office/powerpoint/2010/main" val="4128710330"/>
+        <p14:creationId xmlns:p14="http://schemas.microsoft.com/office/powerpoint/2010/main" val="384733178"/>
       </p:ext>
     </p:extLst>
   </p:cSld>
@@ -5286,6 +5283,100 @@
       </p:sp>
       <p:pic>
         <p:nvPicPr>
+          <p:cNvPr id="5" name="Content Placeholder 4">
+            <a:extLst>
+              <a:ext uri="{FF2B5EF4-FFF2-40B4-BE49-F238E27FC236}">
+                <a16:creationId xmlns:a16="http://schemas.microsoft.com/office/drawing/2014/main" id="{3198B67F-03AF-63FC-E55F-477553167560}"/>
+              </a:ext>
+            </a:extLst>
+          </p:cNvPr>
+          <p:cNvPicPr>
+            <a:picLocks noGrp="1" noChangeAspect="1"/>
+          </p:cNvPicPr>
+          <p:nvPr>
+            <p:ph idx="1"/>
+          </p:nvPr>
+        </p:nvPicPr>
+        <p:blipFill>
+          <a:blip r:embed="rId2"/>
+          <a:stretch>
+            <a:fillRect/>
+          </a:stretch>
+        </p:blipFill>
+        <p:spPr>
+          <a:xfrm>
+            <a:off x="3091550" y="1482244"/>
+            <a:ext cx="6166215" cy="4673600"/>
+          </a:xfrm>
+          <a:prstGeom prst="rect">
+            <a:avLst/>
+          </a:prstGeom>
+        </p:spPr>
+      </p:pic>
+    </p:spTree>
+    <p:extLst>
+      <p:ext uri="{BB962C8B-B14F-4D97-AF65-F5344CB8AC3E}">
+        <p14:creationId xmlns:p14="http://schemas.microsoft.com/office/powerpoint/2010/main" val="4128710330"/>
+      </p:ext>
+    </p:extLst>
+  </p:cSld>
+  <p:clrMapOvr>
+    <a:masterClrMapping/>
+  </p:clrMapOvr>
+</p:sld>
+</file>
+
+<file path=ppt/slides/slide17.xml><?xml version="1.0" encoding="utf-8"?>
+<p:sld xmlns:a="http://schemas.openxmlformats.org/drawingml/2006/main" xmlns:r="http://schemas.openxmlformats.org/officeDocument/2006/relationships" xmlns:p="http://schemas.openxmlformats.org/presentationml/2006/main">
+  <p:cSld>
+    <p:spTree>
+      <p:nvGrpSpPr>
+        <p:cNvPr id="1" name=""/>
+        <p:cNvGrpSpPr/>
+        <p:nvPr/>
+      </p:nvGrpSpPr>
+      <p:grpSpPr>
+        <a:xfrm>
+          <a:off x="0" y="0"/>
+          <a:ext cx="0" cy="0"/>
+          <a:chOff x="0" y="0"/>
+          <a:chExt cx="0" cy="0"/>
+        </a:xfrm>
+      </p:grpSpPr>
+      <p:sp>
+        <p:nvSpPr>
+          <p:cNvPr id="2" name="Title 1">
+            <a:extLst>
+              <a:ext uri="{FF2B5EF4-FFF2-40B4-BE49-F238E27FC236}">
+                <a16:creationId xmlns:a16="http://schemas.microsoft.com/office/drawing/2014/main" id="{3A492E52-0C9E-7CCC-47E8-5C4711AD23FE}"/>
+              </a:ext>
+            </a:extLst>
+          </p:cNvPr>
+          <p:cNvSpPr>
+            <a:spLocks noGrp="1"/>
+          </p:cNvSpPr>
+          <p:nvPr>
+            <p:ph type="title"/>
+          </p:nvPr>
+        </p:nvSpPr>
+        <p:spPr/>
+        <p:txBody>
+          <a:bodyPr/>
+          <a:lstStyle/>
+          <a:p>
+            <a:r>
+              <a:rPr lang="en-IN" dirty="0">
+                <a:solidFill>
+                  <a:schemeClr val="accent1"/>
+                </a:solidFill>
+              </a:rPr>
+              <a:t>IBM Certifications</a:t>
+            </a:r>
+          </a:p>
+        </p:txBody>
+      </p:sp>
+      <p:pic>
+        <p:nvPicPr>
           <p:cNvPr id="5" name="Picture 4">
             <a:extLst>
               <a:ext uri="{FF2B5EF4-FFF2-40B4-BE49-F238E27FC236}">
@@ -5327,7 +5418,7 @@
 </p:sld>
 </file>
 
-<file path=ppt/slides/slide17.xml><?xml version="1.0" encoding="utf-8"?>
+<file path=ppt/slides/slide18.xml><?xml version="1.0" encoding="utf-8"?>
 <p:sld xmlns:a="http://schemas.openxmlformats.org/drawingml/2006/main" xmlns:r="http://schemas.openxmlformats.org/officeDocument/2006/relationships" xmlns:p="http://schemas.openxmlformats.org/presentationml/2006/main">
   <p:cSld>
     <p:spTree>
